--- a/Figure-4-3/Figure43/Figure43_fullslide_169.pptx
+++ b/Figure-4-3/Figure43/Figure43_fullslide_169.pptx
@@ -672,6 +672,126 @@
               <a:rPr/>
               <a:t>Title:</a:t>
             </a:r>
+            <a:r>
+              <a:rPr/>
+              <a:t> </a:t>
+            </a:r>
+            <a:r>
+              <a:rPr/>
+              <a:t>Those</a:t>
+            </a:r>
+            <a:r>
+              <a:rPr/>
+              <a:t> </a:t>
+            </a:r>
+            <a:r>
+              <a:rPr/>
+              <a:t>on</a:t>
+            </a:r>
+            <a:r>
+              <a:rPr/>
+              <a:t> </a:t>
+            </a:r>
+            <a:r>
+              <a:rPr/>
+              <a:t>high</a:t>
+            </a:r>
+            <a:r>
+              <a:rPr/>
+              <a:t> </a:t>
+            </a:r>
+            <a:r>
+              <a:rPr/>
+              <a:t>incomes</a:t>
+            </a:r>
+            <a:r>
+              <a:rPr/>
+              <a:t> </a:t>
+            </a:r>
+            <a:r>
+              <a:rPr/>
+              <a:t>make</a:t>
+            </a:r>
+            <a:r>
+              <a:rPr/>
+              <a:t> </a:t>
+            </a:r>
+            <a:r>
+              <a:rPr/>
+              <a:t>larger</a:t>
+            </a:r>
+            <a:r>
+              <a:rPr/>
+              <a:t> </a:t>
+            </a:r>
+            <a:r>
+              <a:rPr/>
+              <a:t>voluntary</a:t>
+            </a:r>
+            <a:r>
+              <a:rPr/>
+              <a:t> </a:t>
+            </a:r>
+            <a:r>
+              <a:rPr/>
+              <a:t>contributions,</a:t>
+            </a:r>
+            <a:r>
+              <a:rPr/>
+              <a:t> </a:t>
+            </a:r>
+            <a:r>
+              <a:rPr/>
+              <a:t>increasing</a:t>
+            </a:r>
+            <a:r>
+              <a:rPr/>
+              <a:t> </a:t>
+            </a:r>
+            <a:r>
+              <a:rPr/>
+              <a:t>the</a:t>
+            </a:r>
+            <a:r>
+              <a:rPr/>
+              <a:t> </a:t>
+            </a:r>
+            <a:r>
+              <a:rPr/>
+              <a:t>value</a:t>
+            </a:r>
+            <a:r>
+              <a:rPr/>
+              <a:t> </a:t>
+            </a:r>
+            <a:r>
+              <a:rPr/>
+              <a:t>of</a:t>
+            </a:r>
+            <a:r>
+              <a:rPr/>
+              <a:t> </a:t>
+            </a:r>
+            <a:r>
+              <a:rPr/>
+              <a:t>contributions</a:t>
+            </a:r>
+            <a:r>
+              <a:rPr/>
+              <a:t> </a:t>
+            </a:r>
+            <a:r>
+              <a:rPr/>
+              <a:t>tax</a:t>
+            </a:r>
+            <a:r>
+              <a:rPr/>
+              <a:t> </a:t>
+            </a:r>
+            <a:r>
+              <a:rPr/>
+              <a:t>breaks</a:t>
+            </a:r>
           </a:p>
           <a:p>
             <a:pPr lvl="0" marL="0" indent="0">
@@ -685,6 +805,548 @@
             <a:r>
               <a:rPr/>
               <a:t>Subtitle:</a:t>
+            </a:r>
+            <a:r>
+              <a:rPr/>
+              <a:t> </a:t>
+            </a:r>
+            <a:r>
+              <a:rPr/>
+              <a:t>Average</a:t>
+            </a:r>
+            <a:r>
+              <a:rPr/>
+              <a:t> </a:t>
+            </a:r>
+            <a:r>
+              <a:rPr/>
+              <a:t>superannuation</a:t>
+            </a:r>
+            <a:r>
+              <a:rPr/>
+              <a:t> </a:t>
+            </a:r>
+            <a:r>
+              <a:rPr/>
+              <a:t>contributions</a:t>
+            </a:r>
+            <a:r>
+              <a:rPr/>
+              <a:t> </a:t>
+            </a:r>
+            <a:r>
+              <a:rPr/>
+              <a:t>(2020-21)</a:t>
+            </a:r>
+          </a:p>
+          <a:p>
+            <a:pPr lvl="0" marL="0" indent="0">
+              <a:buNone/>
+            </a:pPr>
+          </a:p>
+          <a:p>
+            <a:pPr lvl="0" marL="0" indent="0">
+              <a:buNone/>
+            </a:pPr>
+            <a:r>
+              <a:rPr/>
+              <a:t>Notes:</a:t>
+            </a:r>
+            <a:r>
+              <a:rPr/>
+              <a:t> </a:t>
+            </a:r>
+            <a:r>
+              <a:rPr/>
+              <a:t>Projections</a:t>
+            </a:r>
+            <a:r>
+              <a:rPr/>
+              <a:t> </a:t>
+            </a:r>
+            <a:r>
+              <a:rPr/>
+              <a:t>to</a:t>
+            </a:r>
+            <a:r>
+              <a:rPr/>
+              <a:t> </a:t>
+            </a:r>
+            <a:r>
+              <a:rPr/>
+              <a:t>2020-21</a:t>
+            </a:r>
+            <a:r>
+              <a:rPr/>
+              <a:t> </a:t>
+            </a:r>
+            <a:r>
+              <a:rPr/>
+              <a:t>assume</a:t>
+            </a:r>
+            <a:r>
+              <a:rPr/>
+              <a:t> </a:t>
+            </a:r>
+            <a:r>
+              <a:rPr/>
+              <a:t>2%</a:t>
+            </a:r>
+            <a:r>
+              <a:rPr/>
+              <a:t> </a:t>
+            </a:r>
+            <a:r>
+              <a:rPr/>
+              <a:t>wage</a:t>
+            </a:r>
+            <a:r>
+              <a:rPr/>
+              <a:t> </a:t>
+            </a:r>
+            <a:r>
+              <a:rPr/>
+              <a:t>growth</a:t>
+            </a:r>
+            <a:r>
+              <a:rPr/>
+              <a:t> </a:t>
+            </a:r>
+            <a:r>
+              <a:rPr/>
+              <a:t>and</a:t>
+            </a:r>
+            <a:r>
+              <a:rPr/>
+              <a:t> </a:t>
+            </a:r>
+            <a:r>
+              <a:rPr/>
+              <a:t>0%</a:t>
+            </a:r>
+            <a:r>
+              <a:rPr/>
+              <a:t> </a:t>
+            </a:r>
+            <a:r>
+              <a:rPr/>
+              <a:t>growth</a:t>
+            </a:r>
+            <a:r>
+              <a:rPr/>
+              <a:t> </a:t>
+            </a:r>
+            <a:r>
+              <a:rPr/>
+              <a:t>in</a:t>
+            </a:r>
+            <a:r>
+              <a:rPr/>
+              <a:t> </a:t>
+            </a:r>
+            <a:r>
+              <a:rPr/>
+              <a:t>the</a:t>
+            </a:r>
+            <a:r>
+              <a:rPr/>
+              <a:t> </a:t>
+            </a:r>
+            <a:r>
+              <a:rPr/>
+              <a:t>number</a:t>
+            </a:r>
+            <a:r>
+              <a:rPr/>
+              <a:t> </a:t>
+            </a:r>
+            <a:r>
+              <a:rPr/>
+              <a:t>of</a:t>
+            </a:r>
+            <a:r>
+              <a:rPr/>
+              <a:t> </a:t>
+            </a:r>
+            <a:r>
+              <a:rPr/>
+              <a:t>taxfilers</a:t>
+            </a:r>
+            <a:r>
+              <a:rPr/>
+              <a:t> </a:t>
+            </a:r>
+            <a:r>
+              <a:rPr/>
+              <a:t>from</a:t>
+            </a:r>
+            <a:r>
+              <a:rPr/>
+              <a:t> </a:t>
+            </a:r>
+            <a:r>
+              <a:rPr/>
+              <a:t>2019-20</a:t>
+            </a:r>
+            <a:r>
+              <a:rPr/>
+              <a:t> </a:t>
+            </a:r>
+            <a:r>
+              <a:rPr/>
+              <a:t>to</a:t>
+            </a:r>
+            <a:r>
+              <a:rPr/>
+              <a:t> </a:t>
+            </a:r>
+            <a:r>
+              <a:rPr/>
+              <a:t>2020-21.</a:t>
+            </a:r>
+            <a:r>
+              <a:rPr/>
+              <a:t> </a:t>
+            </a:r>
+            <a:r>
+              <a:rPr/>
+              <a:t>SG</a:t>
+            </a:r>
+            <a:r>
+              <a:rPr/>
+              <a:t> </a:t>
+            </a:r>
+            <a:r>
+              <a:rPr/>
+              <a:t>=</a:t>
+            </a:r>
+            <a:r>
+              <a:rPr/>
+              <a:t> </a:t>
+            </a:r>
+            <a:r>
+              <a:rPr/>
+              <a:t>super</a:t>
+            </a:r>
+            <a:r>
+              <a:rPr/>
+              <a:t> </a:t>
+            </a:r>
+            <a:r>
+              <a:rPr/>
+              <a:t>guarantee</a:t>
+            </a:r>
+            <a:r>
+              <a:rPr/>
+              <a:t> </a:t>
+            </a:r>
+            <a:r>
+              <a:rPr/>
+              <a:t>contributions,</a:t>
+            </a:r>
+            <a:r>
+              <a:rPr/>
+              <a:t> </a:t>
+            </a:r>
+            <a:r>
+              <a:rPr/>
+              <a:t>assumed</a:t>
+            </a:r>
+            <a:r>
+              <a:rPr/>
+              <a:t> </a:t>
+            </a:r>
+            <a:r>
+              <a:rPr/>
+              <a:t>to</a:t>
+            </a:r>
+            <a:r>
+              <a:rPr/>
+              <a:t> </a:t>
+            </a:r>
+            <a:r>
+              <a:rPr/>
+              <a:t>be</a:t>
+            </a:r>
+            <a:r>
+              <a:rPr/>
+              <a:t> </a:t>
+            </a:r>
+            <a:r>
+              <a:rPr/>
+              <a:t>employer</a:t>
+            </a:r>
+            <a:r>
+              <a:rPr/>
+              <a:t> </a:t>
+            </a:r>
+            <a:r>
+              <a:rPr/>
+              <a:t>contributions</a:t>
+            </a:r>
+            <a:r>
+              <a:rPr/>
+              <a:t> </a:t>
+            </a:r>
+            <a:r>
+              <a:rPr/>
+              <a:t>less</a:t>
+            </a:r>
+            <a:r>
+              <a:rPr/>
+              <a:t> </a:t>
+            </a:r>
+            <a:r>
+              <a:rPr/>
+              <a:t>reportable</a:t>
+            </a:r>
+            <a:r>
+              <a:rPr/>
+              <a:t> </a:t>
+            </a:r>
+            <a:r>
+              <a:rPr/>
+              <a:t>employer</a:t>
+            </a:r>
+            <a:r>
+              <a:rPr/>
+              <a:t> </a:t>
+            </a:r>
+            <a:r>
+              <a:rPr/>
+              <a:t>super</a:t>
+            </a:r>
+            <a:r>
+              <a:rPr/>
+              <a:t> </a:t>
+            </a:r>
+            <a:r>
+              <a:rPr/>
+              <a:t>contributions;</a:t>
+            </a:r>
+            <a:r>
+              <a:rPr/>
+              <a:t> </a:t>
+            </a:r>
+            <a:r>
+              <a:rPr/>
+              <a:t>salary-sacrifice</a:t>
+            </a:r>
+            <a:r>
+              <a:rPr/>
+              <a:t> </a:t>
+            </a:r>
+            <a:r>
+              <a:rPr/>
+              <a:t>=</a:t>
+            </a:r>
+            <a:r>
+              <a:rPr/>
+              <a:t> </a:t>
+            </a:r>
+            <a:r>
+              <a:rPr/>
+              <a:t>reportable</a:t>
+            </a:r>
+            <a:r>
+              <a:rPr/>
+              <a:t> </a:t>
+            </a:r>
+            <a:r>
+              <a:rPr/>
+              <a:t>employer</a:t>
+            </a:r>
+            <a:r>
+              <a:rPr/>
+              <a:t> </a:t>
+            </a:r>
+            <a:r>
+              <a:rPr/>
+              <a:t>super</a:t>
+            </a:r>
+            <a:r>
+              <a:rPr/>
+              <a:t> </a:t>
+            </a:r>
+            <a:r>
+              <a:rPr/>
+              <a:t>contributions;</a:t>
+            </a:r>
+            <a:r>
+              <a:rPr/>
+              <a:t> </a:t>
+            </a:r>
+            <a:r>
+              <a:rPr/>
+              <a:t>personal-deductible</a:t>
+            </a:r>
+            <a:r>
+              <a:rPr/>
+              <a:t> </a:t>
+            </a:r>
+            <a:r>
+              <a:rPr/>
+              <a:t>=</a:t>
+            </a:r>
+            <a:r>
+              <a:rPr/>
+              <a:t> </a:t>
+            </a:r>
+            <a:r>
+              <a:rPr/>
+              <a:t>non-employer</a:t>
+            </a:r>
+            <a:r>
+              <a:rPr/>
+              <a:t> </a:t>
+            </a:r>
+            <a:r>
+              <a:rPr/>
+              <a:t>superannuation</a:t>
+            </a:r>
+            <a:r>
+              <a:rPr/>
+              <a:t> </a:t>
+            </a:r>
+            <a:r>
+              <a:rPr/>
+              <a:t>contributions;</a:t>
+            </a:r>
+            <a:r>
+              <a:rPr/>
+              <a:t> </a:t>
+            </a:r>
+            <a:r>
+              <a:rPr/>
+              <a:t>non-concessional</a:t>
+            </a:r>
+            <a:r>
+              <a:rPr/>
+              <a:t> </a:t>
+            </a:r>
+            <a:r>
+              <a:rPr/>
+              <a:t>=</a:t>
+            </a:r>
+            <a:r>
+              <a:rPr/>
+              <a:t> </a:t>
+            </a:r>
+            <a:r>
+              <a:rPr/>
+              <a:t>nonnegative</a:t>
+            </a:r>
+            <a:r>
+              <a:rPr/>
+              <a:t> </a:t>
+            </a:r>
+            <a:r>
+              <a:rPr/>
+              <a:t>component</a:t>
+            </a:r>
+            <a:r>
+              <a:rPr/>
+              <a:t> </a:t>
+            </a:r>
+            <a:r>
+              <a:rPr/>
+              <a:t>of</a:t>
+            </a:r>
+            <a:r>
+              <a:rPr/>
+              <a:t> </a:t>
+            </a:r>
+            <a:r>
+              <a:rPr/>
+              <a:t>personal</a:t>
+            </a:r>
+            <a:r>
+              <a:rPr/>
+              <a:t> </a:t>
+            </a:r>
+            <a:r>
+              <a:rPr/>
+              <a:t>contributions</a:t>
+            </a:r>
+            <a:r>
+              <a:rPr/>
+              <a:t> </a:t>
+            </a:r>
+            <a:r>
+              <a:rPr/>
+              <a:t>less</a:t>
+            </a:r>
+            <a:r>
+              <a:rPr/>
+              <a:t> </a:t>
+            </a:r>
+            <a:r>
+              <a:rPr/>
+              <a:t>non-employer</a:t>
+            </a:r>
+            <a:r>
+              <a:rPr/>
+              <a:t> </a:t>
+            </a:r>
+            <a:r>
+              <a:rPr/>
+              <a:t>super</a:t>
+            </a:r>
+            <a:r>
+              <a:rPr/>
+              <a:t> </a:t>
+            </a:r>
+            <a:r>
+              <a:rPr/>
+              <a:t>contributions.</a:t>
+            </a:r>
+            <a:r>
+              <a:rPr/>
+              <a:t> </a:t>
+            </a:r>
+            <a:r>
+              <a:rPr/>
+              <a:t>Source:</a:t>
+            </a:r>
+            <a:r>
+              <a:rPr/>
+              <a:t> </a:t>
+            </a:r>
+            <a:r>
+              <a:rPr/>
+              <a:t>ATO</a:t>
+            </a:r>
+            <a:r>
+              <a:rPr/>
+              <a:t> </a:t>
+            </a:r>
+            <a:r>
+              <a:rPr/>
+              <a:t>2017-18</a:t>
+            </a:r>
+            <a:r>
+              <a:rPr/>
+              <a:t> </a:t>
+            </a:r>
+            <a:r>
+              <a:rPr/>
+              <a:t>2%</a:t>
+            </a:r>
+            <a:r>
+              <a:rPr/>
+              <a:t> </a:t>
+            </a:r>
+            <a:r>
+              <a:rPr/>
+              <a:t>sample</a:t>
+            </a:r>
+            <a:r>
+              <a:rPr/>
+              <a:t> </a:t>
+            </a:r>
+            <a:r>
+              <a:rPr/>
+              <a:t>file</a:t>
             </a:r>
           </a:p>
           <a:p>
@@ -3943,7 +4605,7 @@
           <a:p>
             <a:r>
               <a:rPr/>
-              <a:t> </a:t>
+              <a:t>Those on high incomes make larger voluntary contributions, increasing the value of contributions tax breaks</a:t>
             </a:r>
           </a:p>
         </p:txBody>
@@ -3970,7 +4632,7 @@
           <a:p>
             <a:r>
               <a:rPr/>
-              <a:t> </a:t>
+              <a:t>Average superannuation contributions (2020-21)</a:t>
             </a:r>
           </a:p>
         </p:txBody>
@@ -4058,8 +4720,8 @@
           </p:nvSpPr>
           <p:spPr>
             <a:xfrm>
-              <a:off x="1781393" y="1504215"/>
-              <a:ext cx="9759626" cy="4505695"/>
+              <a:off x="1781393" y="1504216"/>
+              <a:ext cx="9759626" cy="3787319"/>
             </a:xfrm>
             <a:prstGeom prst="rect">
               <a:avLst/>
@@ -4084,7 +4746,7 @@
           </p:nvSpPr>
           <p:spPr>
             <a:xfrm>
-              <a:off x="1781393" y="6009911"/>
+              <a:off x="1781393" y="5291535"/>
               <a:ext cx="9759626" cy="0"/>
             </a:xfrm>
             <a:custGeom>
@@ -4127,7 +4789,7 @@
           </p:nvSpPr>
           <p:spPr>
             <a:xfrm>
-              <a:off x="1781393" y="5081503"/>
+              <a:off x="1781393" y="4511150"/>
               <a:ext cx="9759626" cy="0"/>
             </a:xfrm>
             <a:custGeom>
@@ -4170,7 +4832,7 @@
           </p:nvSpPr>
           <p:spPr>
             <a:xfrm>
-              <a:off x="1781393" y="4153095"/>
+              <a:off x="1781393" y="3730765"/>
               <a:ext cx="9759626" cy="0"/>
             </a:xfrm>
             <a:custGeom>
@@ -4213,7 +4875,7 @@
           </p:nvSpPr>
           <p:spPr>
             <a:xfrm>
-              <a:off x="1781393" y="3224688"/>
+              <a:off x="1781393" y="2950380"/>
               <a:ext cx="9759626" cy="0"/>
             </a:xfrm>
             <a:custGeom>
@@ -4256,7 +4918,7 @@
           </p:nvSpPr>
           <p:spPr>
             <a:xfrm>
-              <a:off x="1781393" y="2296280"/>
+              <a:off x="1781393" y="2169995"/>
               <a:ext cx="9759626" cy="0"/>
             </a:xfrm>
             <a:custGeom>
@@ -4299,8 +4961,8 @@
           </p:nvSpPr>
           <p:spPr>
             <a:xfrm>
-              <a:off x="2062921" y="5935008"/>
-              <a:ext cx="1689166" cy="74902"/>
+              <a:off x="2062921" y="5228575"/>
+              <a:ext cx="1689166" cy="62960"/>
             </a:xfrm>
             <a:prstGeom prst="rect">
               <a:avLst/>
@@ -4334,8 +4996,8 @@
           </p:nvSpPr>
           <p:spPr>
             <a:xfrm>
-              <a:off x="2062921" y="5920676"/>
-              <a:ext cx="1689166" cy="14332"/>
+              <a:off x="2062921" y="5216528"/>
+              <a:ext cx="1689166" cy="12047"/>
             </a:xfrm>
             <a:prstGeom prst="rect">
               <a:avLst/>
@@ -4369,8 +5031,8 @@
           </p:nvSpPr>
           <p:spPr>
             <a:xfrm>
-              <a:off x="2062921" y="5904585"/>
-              <a:ext cx="1689166" cy="16090"/>
+              <a:off x="2062921" y="5203003"/>
+              <a:ext cx="1689166" cy="13525"/>
             </a:xfrm>
             <a:prstGeom prst="rect">
               <a:avLst/>
@@ -4404,8 +5066,8 @@
           </p:nvSpPr>
           <p:spPr>
             <a:xfrm>
-              <a:off x="2062921" y="5634502"/>
-              <a:ext cx="1689166" cy="270083"/>
+              <a:off x="2062921" y="4975981"/>
+              <a:ext cx="1689166" cy="227022"/>
             </a:xfrm>
             <a:prstGeom prst="rect">
               <a:avLst/>
@@ -4439,8 +5101,8 @@
           </p:nvSpPr>
           <p:spPr>
             <a:xfrm>
-              <a:off x="3939772" y="5701786"/>
-              <a:ext cx="1689166" cy="308125"/>
+              <a:off x="3939772" y="5032537"/>
+              <a:ext cx="1689166" cy="258998"/>
             </a:xfrm>
             <a:prstGeom prst="rect">
               <a:avLst/>
@@ -4474,8 +5136,8 @@
           </p:nvSpPr>
           <p:spPr>
             <a:xfrm>
-              <a:off x="3939772" y="5647260"/>
-              <a:ext cx="1689166" cy="54526"/>
+              <a:off x="3939772" y="4986704"/>
+              <a:ext cx="1689166" cy="45832"/>
             </a:xfrm>
             <a:prstGeom prst="rect">
               <a:avLst/>
@@ -4509,8 +5171,8 @@
           </p:nvSpPr>
           <p:spPr>
             <a:xfrm>
-              <a:off x="3939772" y="5601195"/>
-              <a:ext cx="1689166" cy="46064"/>
+              <a:off x="3939772" y="4947984"/>
+              <a:ext cx="1689166" cy="38720"/>
             </a:xfrm>
             <a:prstGeom prst="rect">
               <a:avLst/>
@@ -4544,8 +5206,8 @@
           </p:nvSpPr>
           <p:spPr>
             <a:xfrm>
-              <a:off x="3939772" y="5319516"/>
-              <a:ext cx="1689166" cy="281679"/>
+              <a:off x="3939772" y="4711216"/>
+              <a:ext cx="1689166" cy="236768"/>
             </a:xfrm>
             <a:prstGeom prst="rect">
               <a:avLst/>
@@ -4579,8 +5241,8 @@
           </p:nvSpPr>
           <p:spPr>
             <a:xfrm>
-              <a:off x="5816623" y="5118106"/>
-              <a:ext cx="1689166" cy="891804"/>
+              <a:off x="5816623" y="4541918"/>
+              <a:ext cx="1689166" cy="749617"/>
             </a:xfrm>
             <a:prstGeom prst="rect">
               <a:avLst/>
@@ -4614,8 +5276,8 @@
           </p:nvSpPr>
           <p:spPr>
             <a:xfrm>
-              <a:off x="5816623" y="4967835"/>
-              <a:ext cx="1689166" cy="150271"/>
+              <a:off x="5816623" y="4415606"/>
+              <a:ext cx="1689166" cy="126312"/>
             </a:xfrm>
             <a:prstGeom prst="rect">
               <a:avLst/>
@@ -4649,8 +5311,8 @@
           </p:nvSpPr>
           <p:spPr>
             <a:xfrm>
-              <a:off x="5816623" y="4905335"/>
-              <a:ext cx="1689166" cy="62499"/>
+              <a:off x="5816623" y="4363070"/>
+              <a:ext cx="1689166" cy="52535"/>
             </a:xfrm>
             <a:prstGeom prst="rect">
               <a:avLst/>
@@ -4684,8 +5346,8 @@
           </p:nvSpPr>
           <p:spPr>
             <a:xfrm>
-              <a:off x="5816623" y="4691141"/>
-              <a:ext cx="1689166" cy="214194"/>
+              <a:off x="5816623" y="4183026"/>
+              <a:ext cx="1689166" cy="180044"/>
             </a:xfrm>
             <a:prstGeom prst="rect">
               <a:avLst/>
@@ -4719,8 +5381,8 @@
           </p:nvSpPr>
           <p:spPr>
             <a:xfrm>
-              <a:off x="7693474" y="4288322"/>
-              <a:ext cx="1689166" cy="1721588"/>
+              <a:off x="7693474" y="3844432"/>
+              <a:ext cx="1689166" cy="1447103"/>
             </a:xfrm>
             <a:prstGeom prst="rect">
               <a:avLst/>
@@ -4754,8 +5416,8 @@
           </p:nvSpPr>
           <p:spPr>
             <a:xfrm>
-              <a:off x="7693474" y="3926795"/>
-              <a:ext cx="1689166" cy="361527"/>
+              <a:off x="7693474" y="3540546"/>
+              <a:ext cx="1689166" cy="303886"/>
             </a:xfrm>
             <a:prstGeom prst="rect">
               <a:avLst/>
@@ -4789,8 +5451,8 @@
           </p:nvSpPr>
           <p:spPr>
             <a:xfrm>
-              <a:off x="7693474" y="3819469"/>
-              <a:ext cx="1689166" cy="107325"/>
+              <a:off x="7693474" y="3450332"/>
+              <a:ext cx="1689166" cy="90214"/>
             </a:xfrm>
             <a:prstGeom prst="rect">
               <a:avLst/>
@@ -4824,8 +5486,8 @@
           </p:nvSpPr>
           <p:spPr>
             <a:xfrm>
-              <a:off x="7693474" y="3476991"/>
-              <a:ext cx="1689166" cy="342478"/>
+              <a:off x="7693474" y="3162457"/>
+              <a:ext cx="1689166" cy="287874"/>
             </a:xfrm>
             <a:prstGeom prst="rect">
               <a:avLst/>
@@ -4859,8 +5521,8 @@
           </p:nvSpPr>
           <p:spPr>
             <a:xfrm>
-              <a:off x="9570326" y="3286786"/>
-              <a:ext cx="1689166" cy="2723125"/>
+              <a:off x="9570326" y="3002578"/>
+              <a:ext cx="1689166" cy="2288957"/>
             </a:xfrm>
             <a:prstGeom prst="rect">
               <a:avLst/>
@@ -4894,8 +5556,8 @@
           </p:nvSpPr>
           <p:spPr>
             <a:xfrm>
-              <a:off x="9570326" y="2819832"/>
-              <a:ext cx="1689166" cy="466953"/>
+              <a:off x="9570326" y="2610074"/>
+              <a:ext cx="1689166" cy="392503"/>
             </a:xfrm>
             <a:prstGeom prst="rect">
               <a:avLst/>
@@ -4929,8 +5591,8 @@
           </p:nvSpPr>
           <p:spPr>
             <a:xfrm>
-              <a:off x="9570326" y="2474205"/>
-              <a:ext cx="1689166" cy="345627"/>
+              <a:off x="9570326" y="2319552"/>
+              <a:ext cx="1689166" cy="290521"/>
             </a:xfrm>
             <a:prstGeom prst="rect">
               <a:avLst/>
@@ -4964,8 +5626,8 @@
           </p:nvSpPr>
           <p:spPr>
             <a:xfrm>
-              <a:off x="9570326" y="1570802"/>
-              <a:ext cx="1689166" cy="903402"/>
+              <a:off x="9570326" y="1560186"/>
+              <a:ext cx="1689166" cy="759366"/>
             </a:xfrm>
             <a:prstGeom prst="rect">
               <a:avLst/>
@@ -4999,7 +5661,7 @@
           </p:nvSpPr>
           <p:spPr>
             <a:xfrm>
-              <a:off x="1424634" y="5889472"/>
+              <a:off x="1424634" y="5171096"/>
               <a:ext cx="254272" cy="202257"/>
             </a:xfrm>
             <a:prstGeom prst="rect">
@@ -5045,7 +5707,7 @@
           </p:nvSpPr>
           <p:spPr>
             <a:xfrm>
-              <a:off x="979713" y="4952246"/>
+              <a:off x="979713" y="4381893"/>
               <a:ext cx="699194" cy="211075"/>
             </a:xfrm>
             <a:prstGeom prst="rect">
@@ -5091,7 +5753,7 @@
           </p:nvSpPr>
           <p:spPr>
             <a:xfrm>
-              <a:off x="852576" y="4023838"/>
+              <a:off x="852576" y="3601508"/>
               <a:ext cx="826330" cy="211075"/>
             </a:xfrm>
             <a:prstGeom prst="rect">
@@ -5137,7 +5799,7 @@
           </p:nvSpPr>
           <p:spPr>
             <a:xfrm>
-              <a:off x="852576" y="3095431"/>
+              <a:off x="852576" y="2821123"/>
               <a:ext cx="826330" cy="211075"/>
             </a:xfrm>
             <a:prstGeom prst="rect">
@@ -5183,7 +5845,7 @@
           </p:nvSpPr>
           <p:spPr>
             <a:xfrm>
-              <a:off x="852576" y="2167023"/>
+              <a:off x="852576" y="2040738"/>
               <a:ext cx="826330" cy="211075"/>
             </a:xfrm>
             <a:prstGeom prst="rect">
@@ -5229,7 +5891,7 @@
           </p:nvSpPr>
           <p:spPr>
             <a:xfrm>
-              <a:off x="1781393" y="6009911"/>
+              <a:off x="1781393" y="5291535"/>
               <a:ext cx="9759626" cy="0"/>
             </a:xfrm>
             <a:custGeom>
@@ -5269,7 +5931,7 @@
           </p:nvSpPr>
           <p:spPr>
             <a:xfrm>
-              <a:off x="2907504" y="6009911"/>
+              <a:off x="2907504" y="5291535"/>
               <a:ext cx="0" cy="56936"/>
             </a:xfrm>
             <a:custGeom>
@@ -5309,7 +5971,7 @@
           </p:nvSpPr>
           <p:spPr>
             <a:xfrm>
-              <a:off x="4784355" y="6009911"/>
+              <a:off x="4784355" y="5291535"/>
               <a:ext cx="0" cy="56936"/>
             </a:xfrm>
             <a:custGeom>
@@ -5349,7 +6011,7 @@
           </p:nvSpPr>
           <p:spPr>
             <a:xfrm>
-              <a:off x="6661206" y="6009911"/>
+              <a:off x="6661206" y="5291535"/>
               <a:ext cx="0" cy="56936"/>
             </a:xfrm>
             <a:custGeom>
@@ -5389,7 +6051,7 @@
           </p:nvSpPr>
           <p:spPr>
             <a:xfrm>
-              <a:off x="8538057" y="6009911"/>
+              <a:off x="8538057" y="5291535"/>
               <a:ext cx="0" cy="56936"/>
             </a:xfrm>
             <a:custGeom>
@@ -5429,7 +6091,7 @@
           </p:nvSpPr>
           <p:spPr>
             <a:xfrm>
-              <a:off x="10414909" y="6009911"/>
+              <a:off x="10414909" y="5291535"/>
               <a:ext cx="0" cy="56936"/>
             </a:xfrm>
             <a:custGeom>
@@ -5469,7 +6131,7 @@
           </p:nvSpPr>
           <p:spPr>
             <a:xfrm>
-              <a:off x="2411850" y="6109718"/>
+              <a:off x="2411850" y="5391342"/>
               <a:ext cx="991306" cy="166315"/>
             </a:xfrm>
             <a:prstGeom prst="rect">
@@ -5515,7 +6177,7 @@
           </p:nvSpPr>
           <p:spPr>
             <a:xfrm>
-              <a:off x="2494338" y="6311846"/>
+              <a:off x="2494338" y="5593470"/>
               <a:ext cx="826330" cy="211075"/>
             </a:xfrm>
             <a:prstGeom prst="rect">
@@ -5561,7 +6223,7 @@
           </p:nvSpPr>
           <p:spPr>
             <a:xfrm>
-              <a:off x="3856449" y="6064958"/>
+              <a:off x="3856449" y="5346582"/>
               <a:ext cx="1855812" cy="211075"/>
             </a:xfrm>
             <a:prstGeom prst="rect">
@@ -5607,7 +6269,7 @@
           </p:nvSpPr>
           <p:spPr>
             <a:xfrm>
-              <a:off x="5733300" y="6064958"/>
+              <a:off x="5733300" y="5346582"/>
               <a:ext cx="1855812" cy="211075"/>
             </a:xfrm>
             <a:prstGeom prst="rect">
@@ -5653,7 +6315,7 @@
           </p:nvSpPr>
           <p:spPr>
             <a:xfrm>
-              <a:off x="7546583" y="6064958"/>
+              <a:off x="7546583" y="5346582"/>
               <a:ext cx="1982948" cy="211075"/>
             </a:xfrm>
             <a:prstGeom prst="rect">
@@ -5699,7 +6361,7 @@
           </p:nvSpPr>
           <p:spPr>
             <a:xfrm>
-              <a:off x="9934994" y="6079357"/>
+              <a:off x="9934994" y="5360981"/>
               <a:ext cx="959829" cy="196676"/>
             </a:xfrm>
             <a:prstGeom prst="rect">
@@ -5745,8 +6407,8 @@
           </p:nvSpPr>
           <p:spPr>
             <a:xfrm>
-              <a:off x="6083176" y="6625287"/>
-              <a:ext cx="1156059" cy="166315"/>
+              <a:off x="5447773" y="5906912"/>
+              <a:ext cx="2426865" cy="166315"/>
             </a:xfrm>
             <a:prstGeom prst="rect">
               <a:avLst/>
@@ -5778,7 +6440,645 @@
                   <a:latin typeface="Arial"/>
                   <a:cs typeface="Arial"/>
                 </a:rPr>
-                <a:t>TaxBracket</a:t>
+                <a:t>Taxable income bracket</a:t>
+              </a:r>
+            </a:p>
+          </p:txBody>
+        </p:sp>
+        <p:sp>
+          <p:nvSpPr>
+            <p:cNvPr id="51" name="rc49"/>
+            <p:cNvSpPr/>
+            <p:nvPr/>
+          </p:nvSpPr>
+          <p:spPr>
+            <a:xfrm>
+              <a:off x="1781393" y="1504215"/>
+              <a:ext cx="2348916" cy="960853"/>
+            </a:xfrm>
+            <a:prstGeom prst="rect">
+              <a:avLst/>
+            </a:prstGeom>
+            <a:solidFill>
+              <a:srgbClr val="FFFFFF">
+                <a:alpha val="100000"/>
+              </a:srgbClr>
+            </a:solidFill>
+          </p:spPr>
+          <p:txBody>
+            <a:bodyPr/>
+            <a:lstStyle/>
+            <a:p/>
+          </p:txBody>
+        </p:sp>
+        <p:sp>
+          <p:nvSpPr>
+            <p:cNvPr id="52" name="rc50"/>
+            <p:cNvSpPr/>
+            <p:nvPr/>
+          </p:nvSpPr>
+          <p:spPr>
+            <a:xfrm>
+              <a:off x="1781393" y="1618088"/>
+              <a:ext cx="182880" cy="211745"/>
+            </a:xfrm>
+            <a:prstGeom prst="rect">
+              <a:avLst/>
+            </a:prstGeom>
+            <a:solidFill>
+              <a:srgbClr val="FFFFFF">
+                <a:alpha val="100000"/>
+              </a:srgbClr>
+            </a:solidFill>
+          </p:spPr>
+          <p:txBody>
+            <a:bodyPr/>
+            <a:lstStyle/>
+            <a:p/>
+          </p:txBody>
+        </p:sp>
+        <p:sp>
+          <p:nvSpPr>
+            <p:cNvPr id="53" name="rc51"/>
+            <p:cNvSpPr/>
+            <p:nvPr/>
+          </p:nvSpPr>
+          <p:spPr>
+            <a:xfrm>
+              <a:off x="1786138" y="1622833"/>
+              <a:ext cx="173390" cy="202255"/>
+            </a:xfrm>
+            <a:prstGeom prst="rect">
+              <a:avLst/>
+            </a:prstGeom>
+            <a:solidFill>
+              <a:srgbClr val="FFC35A">
+                <a:alpha val="100000"/>
+              </a:srgbClr>
+            </a:solidFill>
+            <a:ln w="7143" cap="sq">
+              <a:solidFill>
+                <a:srgbClr val="FFFFFF">
+                  <a:alpha val="100000"/>
+                </a:srgbClr>
+              </a:solidFill>
+              <a:prstDash val="solid"/>
+              <a:miter/>
+            </a:ln>
+          </p:spPr>
+          <p:txBody>
+            <a:bodyPr/>
+            <a:lstStyle/>
+            <a:p/>
+          </p:txBody>
+        </p:sp>
+        <p:sp>
+          <p:nvSpPr>
+            <p:cNvPr id="54" name="rc52"/>
+            <p:cNvSpPr/>
+            <p:nvPr/>
+          </p:nvSpPr>
+          <p:spPr>
+            <a:xfrm>
+              <a:off x="1781393" y="1829834"/>
+              <a:ext cx="182880" cy="211745"/>
+            </a:xfrm>
+            <a:prstGeom prst="rect">
+              <a:avLst/>
+            </a:prstGeom>
+            <a:solidFill>
+              <a:srgbClr val="FFFFFF">
+                <a:alpha val="100000"/>
+              </a:srgbClr>
+            </a:solidFill>
+          </p:spPr>
+          <p:txBody>
+            <a:bodyPr/>
+            <a:lstStyle/>
+            <a:p/>
+          </p:txBody>
+        </p:sp>
+        <p:sp>
+          <p:nvSpPr>
+            <p:cNvPr id="55" name="rc53"/>
+            <p:cNvSpPr/>
+            <p:nvPr/>
+          </p:nvSpPr>
+          <p:spPr>
+            <a:xfrm>
+              <a:off x="1786138" y="1834578"/>
+              <a:ext cx="173390" cy="202255"/>
+            </a:xfrm>
+            <a:prstGeom prst="rect">
+              <a:avLst/>
+            </a:prstGeom>
+            <a:solidFill>
+              <a:srgbClr val="F68B33">
+                <a:alpha val="100000"/>
+              </a:srgbClr>
+            </a:solidFill>
+            <a:ln w="7143" cap="sq">
+              <a:solidFill>
+                <a:srgbClr val="FFFFFF">
+                  <a:alpha val="100000"/>
+                </a:srgbClr>
+              </a:solidFill>
+              <a:prstDash val="solid"/>
+              <a:miter/>
+            </a:ln>
+          </p:spPr>
+          <p:txBody>
+            <a:bodyPr/>
+            <a:lstStyle/>
+            <a:p/>
+          </p:txBody>
+        </p:sp>
+        <p:sp>
+          <p:nvSpPr>
+            <p:cNvPr id="56" name="rc54"/>
+            <p:cNvSpPr/>
+            <p:nvPr/>
+          </p:nvSpPr>
+          <p:spPr>
+            <a:xfrm>
+              <a:off x="1781393" y="2041579"/>
+              <a:ext cx="182880" cy="211745"/>
+            </a:xfrm>
+            <a:prstGeom prst="rect">
+              <a:avLst/>
+            </a:prstGeom>
+            <a:solidFill>
+              <a:srgbClr val="FFFFFF">
+                <a:alpha val="100000"/>
+              </a:srgbClr>
+            </a:solidFill>
+          </p:spPr>
+          <p:txBody>
+            <a:bodyPr/>
+            <a:lstStyle/>
+            <a:p/>
+          </p:txBody>
+        </p:sp>
+        <p:sp>
+          <p:nvSpPr>
+            <p:cNvPr id="57" name="rc55"/>
+            <p:cNvSpPr/>
+            <p:nvPr/>
+          </p:nvSpPr>
+          <p:spPr>
+            <a:xfrm>
+              <a:off x="1786138" y="2046324"/>
+              <a:ext cx="173390" cy="202255"/>
+            </a:xfrm>
+            <a:prstGeom prst="rect">
+              <a:avLst/>
+            </a:prstGeom>
+            <a:solidFill>
+              <a:srgbClr val="D4582A">
+                <a:alpha val="100000"/>
+              </a:srgbClr>
+            </a:solidFill>
+            <a:ln w="7143" cap="sq">
+              <a:solidFill>
+                <a:srgbClr val="FFFFFF">
+                  <a:alpha val="100000"/>
+                </a:srgbClr>
+              </a:solidFill>
+              <a:prstDash val="solid"/>
+              <a:miter/>
+            </a:ln>
+          </p:spPr>
+          <p:txBody>
+            <a:bodyPr/>
+            <a:lstStyle/>
+            <a:p/>
+          </p:txBody>
+        </p:sp>
+        <p:sp>
+          <p:nvSpPr>
+            <p:cNvPr id="58" name="rc56"/>
+            <p:cNvSpPr/>
+            <p:nvPr/>
+          </p:nvSpPr>
+          <p:spPr>
+            <a:xfrm>
+              <a:off x="1781393" y="2253324"/>
+              <a:ext cx="182880" cy="211745"/>
+            </a:xfrm>
+            <a:prstGeom prst="rect">
+              <a:avLst/>
+            </a:prstGeom>
+            <a:solidFill>
+              <a:srgbClr val="FFFFFF">
+                <a:alpha val="100000"/>
+              </a:srgbClr>
+            </a:solidFill>
+          </p:spPr>
+          <p:txBody>
+            <a:bodyPr/>
+            <a:lstStyle/>
+            <a:p/>
+          </p:txBody>
+        </p:sp>
+        <p:sp>
+          <p:nvSpPr>
+            <p:cNvPr id="59" name="rc57"/>
+            <p:cNvSpPr/>
+            <p:nvPr/>
+          </p:nvSpPr>
+          <p:spPr>
+            <a:xfrm>
+              <a:off x="1786138" y="2258069"/>
+              <a:ext cx="173390" cy="202255"/>
+            </a:xfrm>
+            <a:prstGeom prst="rect">
+              <a:avLst/>
+            </a:prstGeom>
+            <a:solidFill>
+              <a:srgbClr val="A02226">
+                <a:alpha val="100000"/>
+              </a:srgbClr>
+            </a:solidFill>
+            <a:ln w="7143" cap="sq">
+              <a:solidFill>
+                <a:srgbClr val="FFFFFF">
+                  <a:alpha val="100000"/>
+                </a:srgbClr>
+              </a:solidFill>
+              <a:prstDash val="solid"/>
+              <a:miter/>
+            </a:ln>
+          </p:spPr>
+          <p:txBody>
+            <a:bodyPr/>
+            <a:lstStyle/>
+            <a:p/>
+          </p:txBody>
+        </p:sp>
+        <p:sp>
+          <p:nvSpPr>
+            <p:cNvPr id="60" name="tx58"/>
+            <p:cNvSpPr/>
+            <p:nvPr/>
+          </p:nvSpPr>
+          <p:spPr>
+            <a:xfrm>
+              <a:off x="2078146" y="1639464"/>
+              <a:ext cx="1779128" cy="166315"/>
+            </a:xfrm>
+            <a:prstGeom prst="rect">
+              <a:avLst/>
+            </a:prstGeom>
+            <a:noFill/>
+          </p:spPr>
+          <p:txBody>
+            <a:bodyPr lIns="0" rIns="0" tIns="0" bIns="0" anchorCtr="1" anchor="ctr" wrap="none"/>
+            <a:lstStyle/>
+            <a:p>
+              <a:pPr algn="l" marL="0" marR="0" indent="0">
+                <a:lnSpc>
+                  <a:spcPts val="1800"/>
+                </a:lnSpc>
+                <a:spcBef>
+                  <a:spcPts val="0"/>
+                </a:spcBef>
+                <a:spcAft>
+                  <a:spcPts val="0"/>
+                </a:spcAft>
+              </a:pPr>
+              <a:r>
+                <a:rPr sz="1800">
+                  <a:solidFill>
+                    <a:srgbClr val="000000">
+                      <a:alpha val="100000"/>
+                    </a:srgbClr>
+                  </a:solidFill>
+                  <a:latin typeface="Arial"/>
+                  <a:cs typeface="Arial"/>
+                </a:rPr>
+                <a:t>non-concessional</a:t>
+              </a:r>
+            </a:p>
+          </p:txBody>
+        </p:sp>
+        <p:sp>
+          <p:nvSpPr>
+            <p:cNvPr id="61" name="tx59"/>
+            <p:cNvSpPr/>
+            <p:nvPr/>
+          </p:nvSpPr>
+          <p:spPr>
+            <a:xfrm>
+              <a:off x="2078146" y="1808458"/>
+              <a:ext cx="1995227" cy="209066"/>
+            </a:xfrm>
+            <a:prstGeom prst="rect">
+              <a:avLst/>
+            </a:prstGeom>
+            <a:noFill/>
+          </p:spPr>
+          <p:txBody>
+            <a:bodyPr lIns="0" rIns="0" tIns="0" bIns="0" anchorCtr="1" anchor="ctr" wrap="none"/>
+            <a:lstStyle/>
+            <a:p>
+              <a:pPr algn="l" marL="0" marR="0" indent="0">
+                <a:lnSpc>
+                  <a:spcPts val="1800"/>
+                </a:lnSpc>
+                <a:spcBef>
+                  <a:spcPts val="0"/>
+                </a:spcBef>
+                <a:spcAft>
+                  <a:spcPts val="0"/>
+                </a:spcAft>
+              </a:pPr>
+              <a:r>
+                <a:rPr sz="1800">
+                  <a:solidFill>
+                    <a:srgbClr val="000000">
+                      <a:alpha val="100000"/>
+                    </a:srgbClr>
+                  </a:solidFill>
+                  <a:latin typeface="Arial"/>
+                  <a:cs typeface="Arial"/>
+                </a:rPr>
+                <a:t>personal-deductible</a:t>
+              </a:r>
+            </a:p>
+          </p:txBody>
+        </p:sp>
+        <p:sp>
+          <p:nvSpPr>
+            <p:cNvPr id="62" name="tx60"/>
+            <p:cNvSpPr/>
+            <p:nvPr/>
+          </p:nvSpPr>
+          <p:spPr>
+            <a:xfrm>
+              <a:off x="2078146" y="2014734"/>
+              <a:ext cx="1524297" cy="214535"/>
+            </a:xfrm>
+            <a:prstGeom prst="rect">
+              <a:avLst/>
+            </a:prstGeom>
+            <a:noFill/>
+          </p:spPr>
+          <p:txBody>
+            <a:bodyPr lIns="0" rIns="0" tIns="0" bIns="0" anchorCtr="1" anchor="ctr" wrap="none"/>
+            <a:lstStyle/>
+            <a:p>
+              <a:pPr algn="l" marL="0" marR="0" indent="0">
+                <a:lnSpc>
+                  <a:spcPts val="1800"/>
+                </a:lnSpc>
+                <a:spcBef>
+                  <a:spcPts val="0"/>
+                </a:spcBef>
+                <a:spcAft>
+                  <a:spcPts val="0"/>
+                </a:spcAft>
+              </a:pPr>
+              <a:r>
+                <a:rPr sz="1800">
+                  <a:solidFill>
+                    <a:srgbClr val="000000">
+                      <a:alpha val="100000"/>
+                    </a:srgbClr>
+                  </a:solidFill>
+                  <a:latin typeface="Arial"/>
+                  <a:cs typeface="Arial"/>
+                </a:rPr>
+                <a:t>salary-sacrifice</a:t>
+              </a:r>
+            </a:p>
+          </p:txBody>
+        </p:sp>
+        <p:sp>
+          <p:nvSpPr>
+            <p:cNvPr id="63" name="tx61"/>
+            <p:cNvSpPr/>
+            <p:nvPr/>
+          </p:nvSpPr>
+          <p:spPr>
+            <a:xfrm>
+              <a:off x="2078146" y="2271797"/>
+              <a:ext cx="330286" cy="169217"/>
+            </a:xfrm>
+            <a:prstGeom prst="rect">
+              <a:avLst/>
+            </a:prstGeom>
+            <a:noFill/>
+          </p:spPr>
+          <p:txBody>
+            <a:bodyPr lIns="0" rIns="0" tIns="0" bIns="0" anchorCtr="1" anchor="ctr" wrap="none"/>
+            <a:lstStyle/>
+            <a:p>
+              <a:pPr algn="l" marL="0" marR="0" indent="0">
+                <a:lnSpc>
+                  <a:spcPts val="1800"/>
+                </a:lnSpc>
+                <a:spcBef>
+                  <a:spcPts val="0"/>
+                </a:spcBef>
+                <a:spcAft>
+                  <a:spcPts val="0"/>
+                </a:spcAft>
+              </a:pPr>
+              <a:r>
+                <a:rPr sz="1800">
+                  <a:solidFill>
+                    <a:srgbClr val="000000">
+                      <a:alpha val="100000"/>
+                    </a:srgbClr>
+                  </a:solidFill>
+                  <a:latin typeface="Arial"/>
+                  <a:cs typeface="Arial"/>
+                </a:rPr>
+                <a:t>SG</a:t>
+              </a:r>
+            </a:p>
+          </p:txBody>
+        </p:sp>
+        <p:sp>
+          <p:nvSpPr>
+            <p:cNvPr id="64" name="tx62"/>
+            <p:cNvSpPr/>
+            <p:nvPr/>
+          </p:nvSpPr>
+          <p:spPr>
+            <a:xfrm>
+              <a:off x="852576" y="6283247"/>
+              <a:ext cx="9841826" cy="118695"/>
+            </a:xfrm>
+            <a:prstGeom prst="rect">
+              <a:avLst/>
+            </a:prstGeom>
+            <a:noFill/>
+          </p:spPr>
+          <p:txBody>
+            <a:bodyPr lIns="0" rIns="0" tIns="0" bIns="0" anchorCtr="1" anchor="ctr" wrap="none"/>
+            <a:lstStyle/>
+            <a:p>
+              <a:pPr algn="l" marL="0" marR="0" indent="0">
+                <a:lnSpc>
+                  <a:spcPts val="999"/>
+                </a:lnSpc>
+                <a:spcBef>
+                  <a:spcPts val="0"/>
+                </a:spcBef>
+                <a:spcAft>
+                  <a:spcPts val="0"/>
+                </a:spcAft>
+              </a:pPr>
+              <a:r>
+                <a:rPr sz="999" i="1">
+                  <a:solidFill>
+                    <a:srgbClr val="000000">
+                      <a:alpha val="100000"/>
+                    </a:srgbClr>
+                  </a:solidFill>
+                  <a:latin typeface="Arial"/>
+                  <a:cs typeface="Arial"/>
+                </a:rPr>
+                <a:t>Notes: Projections to 2020-21 assume 2% wage growth and 0% growth in the number of taxfilers from 2019-20 to 2020-21. SG = super guarantee contributions, assumed to be</a:t>
+              </a:r>
+            </a:p>
+          </p:txBody>
+        </p:sp>
+        <p:sp>
+          <p:nvSpPr>
+            <p:cNvPr id="65" name="tx63"/>
+            <p:cNvSpPr/>
+            <p:nvPr/>
+          </p:nvSpPr>
+          <p:spPr>
+            <a:xfrm>
+              <a:off x="852576" y="6419898"/>
+              <a:ext cx="9202938" cy="119067"/>
+            </a:xfrm>
+            <a:prstGeom prst="rect">
+              <a:avLst/>
+            </a:prstGeom>
+            <a:noFill/>
+          </p:spPr>
+          <p:txBody>
+            <a:bodyPr lIns="0" rIns="0" tIns="0" bIns="0" anchorCtr="1" anchor="ctr" wrap="none"/>
+            <a:lstStyle/>
+            <a:p>
+              <a:pPr algn="l" marL="0" marR="0" indent="0">
+                <a:lnSpc>
+                  <a:spcPts val="999"/>
+                </a:lnSpc>
+                <a:spcBef>
+                  <a:spcPts val="0"/>
+                </a:spcBef>
+                <a:spcAft>
+                  <a:spcPts val="0"/>
+                </a:spcAft>
+              </a:pPr>
+              <a:r>
+                <a:rPr sz="999" i="1">
+                  <a:solidFill>
+                    <a:srgbClr val="000000">
+                      <a:alpha val="100000"/>
+                    </a:srgbClr>
+                  </a:solidFill>
+                  <a:latin typeface="Arial"/>
+                  <a:cs typeface="Arial"/>
+                </a:rPr>
+                <a:t>employer contributions less reportable employer super contributions; salary-sacrifice = reportable employer super contributions; personal-deductible = non-employer</a:t>
+              </a:r>
+            </a:p>
+          </p:txBody>
+        </p:sp>
+        <p:sp>
+          <p:nvSpPr>
+            <p:cNvPr id="66" name="tx64"/>
+            <p:cNvSpPr/>
+            <p:nvPr/>
+          </p:nvSpPr>
+          <p:spPr>
+            <a:xfrm>
+              <a:off x="852576" y="6556921"/>
+              <a:ext cx="7818114" cy="119067"/>
+            </a:xfrm>
+            <a:prstGeom prst="rect">
+              <a:avLst/>
+            </a:prstGeom>
+            <a:noFill/>
+          </p:spPr>
+          <p:txBody>
+            <a:bodyPr lIns="0" rIns="0" tIns="0" bIns="0" anchorCtr="1" anchor="ctr" wrap="none"/>
+            <a:lstStyle/>
+            <a:p>
+              <a:pPr algn="l" marL="0" marR="0" indent="0">
+                <a:lnSpc>
+                  <a:spcPts val="999"/>
+                </a:lnSpc>
+                <a:spcBef>
+                  <a:spcPts val="0"/>
+                </a:spcBef>
+                <a:spcAft>
+                  <a:spcPts val="0"/>
+                </a:spcAft>
+              </a:pPr>
+              <a:r>
+                <a:rPr sz="999" i="1">
+                  <a:solidFill>
+                    <a:srgbClr val="000000">
+                      <a:alpha val="100000"/>
+                    </a:srgbClr>
+                  </a:solidFill>
+                  <a:latin typeface="Arial"/>
+                  <a:cs typeface="Arial"/>
+                </a:rPr>
+                <a:t>superannuation contributions; non-concessional = nonnegative component of personal contributions less non-employer super contributions.</a:t>
+              </a:r>
+            </a:p>
+          </p:txBody>
+        </p:sp>
+        <p:sp>
+          <p:nvSpPr>
+            <p:cNvPr id="67" name="tx65"/>
+            <p:cNvSpPr/>
+            <p:nvPr/>
+          </p:nvSpPr>
+          <p:spPr>
+            <a:xfrm>
+              <a:off x="852576" y="6695431"/>
+              <a:ext cx="2094457" cy="117580"/>
+            </a:xfrm>
+            <a:prstGeom prst="rect">
+              <a:avLst/>
+            </a:prstGeom>
+            <a:noFill/>
+          </p:spPr>
+          <p:txBody>
+            <a:bodyPr lIns="0" rIns="0" tIns="0" bIns="0" anchorCtr="1" anchor="ctr" wrap="none"/>
+            <a:lstStyle/>
+            <a:p>
+              <a:pPr algn="l" marL="0" marR="0" indent="0">
+                <a:lnSpc>
+                  <a:spcPts val="999"/>
+                </a:lnSpc>
+                <a:spcBef>
+                  <a:spcPts val="0"/>
+                </a:spcBef>
+                <a:spcAft>
+                  <a:spcPts val="0"/>
+                </a:spcAft>
+              </a:pPr>
+              <a:r>
+                <a:rPr sz="999" i="1">
+                  <a:solidFill>
+                    <a:srgbClr val="000000">
+                      <a:alpha val="100000"/>
+                    </a:srgbClr>
+                  </a:solidFill>
+                  <a:latin typeface="Arial"/>
+                  <a:cs typeface="Arial"/>
+                </a:rPr>
+                <a:t>Source: ATO 2017-18 2% sample file</a:t>
               </a:r>
             </a:p>
           </p:txBody>
